--- a/VL_slaidid_RT_MS_LL.pptx
+++ b/VL_slaidid_RT_MS_LL.pptx
@@ -262,7 +262,7 @@
           <a:p>
             <a:fld id="{FCC87B80-8CA6-41C2-B626-AD2AC089322E}" type="datetimeFigureOut">
               <a:rPr lang="en-US" smtClean="0"/>
-              <a:t>2/15/2015</a:t>
+              <a:t>2/19/2015</a:t>
             </a:fld>
             <a:endParaRPr lang="en-US"/>
           </a:p>
@@ -432,7 +432,7 @@
           <a:p>
             <a:fld id="{FCC87B80-8CA6-41C2-B626-AD2AC089322E}" type="datetimeFigureOut">
               <a:rPr lang="en-US" smtClean="0"/>
-              <a:t>2/15/2015</a:t>
+              <a:t>2/19/2015</a:t>
             </a:fld>
             <a:endParaRPr lang="en-US"/>
           </a:p>
@@ -612,7 +612,7 @@
           <a:p>
             <a:fld id="{FCC87B80-8CA6-41C2-B626-AD2AC089322E}" type="datetimeFigureOut">
               <a:rPr lang="en-US" smtClean="0"/>
-              <a:t>2/15/2015</a:t>
+              <a:t>2/19/2015</a:t>
             </a:fld>
             <a:endParaRPr lang="en-US"/>
           </a:p>
@@ -782,7 +782,7 @@
           <a:p>
             <a:fld id="{FCC87B80-8CA6-41C2-B626-AD2AC089322E}" type="datetimeFigureOut">
               <a:rPr lang="en-US" smtClean="0"/>
-              <a:t>2/15/2015</a:t>
+              <a:t>2/19/2015</a:t>
             </a:fld>
             <a:endParaRPr lang="en-US"/>
           </a:p>
@@ -1028,7 +1028,7 @@
           <a:p>
             <a:fld id="{FCC87B80-8CA6-41C2-B626-AD2AC089322E}" type="datetimeFigureOut">
               <a:rPr lang="en-US" smtClean="0"/>
-              <a:t>2/15/2015</a:t>
+              <a:t>2/19/2015</a:t>
             </a:fld>
             <a:endParaRPr lang="en-US"/>
           </a:p>
@@ -1260,7 +1260,7 @@
           <a:p>
             <a:fld id="{FCC87B80-8CA6-41C2-B626-AD2AC089322E}" type="datetimeFigureOut">
               <a:rPr lang="en-US" smtClean="0"/>
-              <a:t>2/15/2015</a:t>
+              <a:t>2/19/2015</a:t>
             </a:fld>
             <a:endParaRPr lang="en-US"/>
           </a:p>
@@ -1627,7 +1627,7 @@
           <a:p>
             <a:fld id="{FCC87B80-8CA6-41C2-B626-AD2AC089322E}" type="datetimeFigureOut">
               <a:rPr lang="en-US" smtClean="0"/>
-              <a:t>2/15/2015</a:t>
+              <a:t>2/19/2015</a:t>
             </a:fld>
             <a:endParaRPr lang="en-US"/>
           </a:p>
@@ -1745,7 +1745,7 @@
           <a:p>
             <a:fld id="{FCC87B80-8CA6-41C2-B626-AD2AC089322E}" type="datetimeFigureOut">
               <a:rPr lang="en-US" smtClean="0"/>
-              <a:t>2/15/2015</a:t>
+              <a:t>2/19/2015</a:t>
             </a:fld>
             <a:endParaRPr lang="en-US"/>
           </a:p>
@@ -1840,7 +1840,7 @@
           <a:p>
             <a:fld id="{FCC87B80-8CA6-41C2-B626-AD2AC089322E}" type="datetimeFigureOut">
               <a:rPr lang="en-US" smtClean="0"/>
-              <a:t>2/15/2015</a:t>
+              <a:t>2/19/2015</a:t>
             </a:fld>
             <a:endParaRPr lang="en-US"/>
           </a:p>
@@ -2117,7 +2117,7 @@
           <a:p>
             <a:fld id="{FCC87B80-8CA6-41C2-B626-AD2AC089322E}" type="datetimeFigureOut">
               <a:rPr lang="en-US" smtClean="0"/>
-              <a:t>2/15/2015</a:t>
+              <a:t>2/19/2015</a:t>
             </a:fld>
             <a:endParaRPr lang="en-US"/>
           </a:p>
@@ -2370,7 +2370,7 @@
           <a:p>
             <a:fld id="{FCC87B80-8CA6-41C2-B626-AD2AC089322E}" type="datetimeFigureOut">
               <a:rPr lang="en-US" smtClean="0"/>
-              <a:t>2/15/2015</a:t>
+              <a:t>2/19/2015</a:t>
             </a:fld>
             <a:endParaRPr lang="en-US"/>
           </a:p>
@@ -2607,7 +2607,7 @@
           <a:p>
             <a:fld id="{FCC87B80-8CA6-41C2-B626-AD2AC089322E}" type="datetimeFigureOut">
               <a:rPr lang="en-US" smtClean="0"/>
-              <a:t>2/15/2015</a:t>
+              <a:t>2/19/2015</a:t>
             </a:fld>
             <a:endParaRPr lang="en-US"/>
           </a:p>
@@ -3645,8 +3645,8 @@
               <a:p>
                 <a:pPr algn="ctr"/>
                 <a:r>
-                  <a:rPr lang="et-EE" noProof="1" smtClean="0"/>
-                  <a:t>ID-Kaart</a:t>
+                  <a:rPr lang="en-GB" noProof="1" smtClean="0"/>
+                  <a:t>Google</a:t>
                 </a:r>
                 <a:endParaRPr lang="et-EE" noProof="1"/>
               </a:p>
